--- a/Documentation/PRESENTATION-FILE-ROUGH (1).pptx
+++ b/Documentation/PRESENTATION-FILE-ROUGH (1).pptx
@@ -5,7 +5,7 @@
     <p:sldMasterId id="2147483648" r:id="rId1"/>
   </p:sldMasterIdLst>
   <p:notesMasterIdLst>
-    <p:notesMasterId r:id="rId20"/>
+    <p:notesMasterId r:id="rId18"/>
   </p:notesMasterIdLst>
   <p:sldIdLst>
     <p:sldId id="256" r:id="rId2"/>
@@ -17,15 +17,13 @@
     <p:sldId id="273" r:id="rId8"/>
     <p:sldId id="270" r:id="rId9"/>
     <p:sldId id="271" r:id="rId10"/>
-    <p:sldId id="257" r:id="rId11"/>
-    <p:sldId id="258" r:id="rId12"/>
-    <p:sldId id="259" r:id="rId13"/>
-    <p:sldId id="260" r:id="rId14"/>
-    <p:sldId id="261" r:id="rId15"/>
-    <p:sldId id="262" r:id="rId16"/>
-    <p:sldId id="264" r:id="rId17"/>
-    <p:sldId id="263" r:id="rId18"/>
-    <p:sldId id="272" r:id="rId19"/>
+    <p:sldId id="259" r:id="rId11"/>
+    <p:sldId id="260" r:id="rId12"/>
+    <p:sldId id="261" r:id="rId13"/>
+    <p:sldId id="262" r:id="rId14"/>
+    <p:sldId id="264" r:id="rId15"/>
+    <p:sldId id="263" r:id="rId16"/>
+    <p:sldId id="272" r:id="rId17"/>
   </p:sldIdLst>
   <p:sldSz cx="12192000" cy="6858000"/>
   <p:notesSz cx="6858000" cy="9144000"/>
@@ -141,6 +139,10 @@
     </p:ext>
   </p:extLst>
 </p:presentation>
+</file>
+
+<file path=ppt/revisionInfo.xml><?xml version="1.0" encoding="utf-8"?>
+<p1510:revInfo xmlns:a="http://schemas.openxmlformats.org/drawingml/2006/main" xmlns:r="http://schemas.openxmlformats.org/officeDocument/2006/relationships" xmlns:p1510="http://schemas.microsoft.com/office/powerpoint/2015/10/main"/>
 </file>
 
 <file path=ppt/notesMasters/notesMaster1.xml><?xml version="1.0" encoding="utf-8"?>
@@ -4386,7 +4388,7 @@
       </p:grpSpPr>
       <p:sp>
         <p:nvSpPr>
-          <p:cNvPr id="12" name="Rectangle 11"/>
+          <p:cNvPr id="21" name="Rectangle 20"/>
           <p:cNvSpPr>
             <a:spLocks noGrp="1" noRot="1" noChangeAspect="1" noMove="1" noResize="1" noEditPoints="1" noAdjustHandles="1" noChangeArrowheads="1" noChangeShapeType="1" noTextEdit="1"/>
           </p:cNvSpPr>
@@ -4415,9 +4417,645 @@
           <a:effectLst/>
         </p:spPr>
       </p:sp>
-      <p:sp>
-        <p:nvSpPr>
-          <p:cNvPr id="14" name="Rectangle 13"/>
+      <p:pic>
+        <p:nvPicPr>
+          <p:cNvPr id="18" name="Content Placeholder 6">
+            <a:extLst>
+              <a:ext uri="{FF2B5EF4-FFF2-40B4-BE49-F238E27FC236}">
+                <a16:creationId xmlns:a16="http://schemas.microsoft.com/office/drawing/2014/main" id="{7637B576-9C94-41A3-A706-CB0E2C118410}"/>
+              </a:ext>
+            </a:extLst>
+          </p:cNvPr>
+          <p:cNvPicPr>
+            <a:picLocks noGrp="1" noChangeAspect="1"/>
+          </p:cNvPicPr>
+          <p:nvPr>
+            <p:ph idx="1"/>
+          </p:nvPr>
+        </p:nvPicPr>
+        <p:blipFill rotWithShape="1">
+          <a:blip r:embed="rId2"/>
+          <a:srcRect/>
+          <a:stretch/>
+        </p:blipFill>
+        <p:spPr>
+          <a:xfrm>
+            <a:off x="20" y="10"/>
+            <a:ext cx="12191980" cy="6857990"/>
+          </a:xfrm>
+          <a:prstGeom prst="rect">
+            <a:avLst/>
+          </a:prstGeom>
+        </p:spPr>
+      </p:pic>
+      <p:sp>
+        <p:nvSpPr>
+          <p:cNvPr id="23" name="Rectangle 22"/>
+          <p:cNvSpPr>
+            <a:spLocks noGrp="1" noRot="1" noChangeAspect="1" noMove="1" noResize="1" noEditPoints="1" noAdjustHandles="1" noChangeArrowheads="1" noChangeShapeType="1" noTextEdit="1"/>
+          </p:cNvSpPr>
+          <p:nvPr>
+            <p:extLst>
+              <p:ext uri="{386F3935-93C4-4BCD-93E2-E3B085C9AB24}">
+                <p16:designElem xmlns:p16="http://schemas.microsoft.com/office/powerpoint/2015/main" val="1"/>
+              </p:ext>
+            </p:extLst>
+          </p:nvPr>
+        </p:nvSpPr>
+        <p:spPr bwMode="white">
+          <a:xfrm>
+            <a:off x="0" y="3894861"/>
+            <a:ext cx="10883900" cy="1671361"/>
+          </a:xfrm>
+          <a:prstGeom prst="rect">
+            <a:avLst/>
+          </a:prstGeom>
+          <a:solidFill>
+            <a:schemeClr val="bg1">
+              <a:alpha val="80000"/>
+            </a:schemeClr>
+          </a:solidFill>
+          <a:ln>
+            <a:noFill/>
+          </a:ln>
+        </p:spPr>
+        <p:style>
+          <a:lnRef idx="2">
+            <a:schemeClr val="accent1">
+              <a:shade val="50000"/>
+            </a:schemeClr>
+          </a:lnRef>
+          <a:fillRef idx="1">
+            <a:schemeClr val="accent1"/>
+          </a:fillRef>
+          <a:effectRef idx="0">
+            <a:schemeClr val="accent1"/>
+          </a:effectRef>
+          <a:fontRef idx="minor">
+            <a:schemeClr val="lt1"/>
+          </a:fontRef>
+        </p:style>
+        <p:txBody>
+          <a:bodyPr rtlCol="0" anchor="ctr"/>
+          <a:lstStyle/>
+          <a:p>
+            <a:pPr marL="0" marR="0" lvl="0" indent="0" algn="ctr" defTabSz="914400" rtl="0" eaLnBrk="1" fontAlgn="auto" latinLnBrk="0" hangingPunct="1">
+              <a:lnSpc>
+                <a:spcPct val="100000"/>
+              </a:lnSpc>
+              <a:spcBef>
+                <a:spcPts val="0"/>
+              </a:spcBef>
+              <a:spcAft>
+                <a:spcPts val="0"/>
+              </a:spcAft>
+              <a:buClrTx/>
+              <a:buSzTx/>
+              <a:buFontTx/>
+              <a:buNone/>
+              <a:tabLst/>
+              <a:defRPr/>
+            </a:pPr>
+            <a:endParaRPr kumimoji="0" lang="en-US" sz="1800" b="0" i="0" u="none" strike="noStrike" kern="1200" cap="none" spc="0" normalizeH="0" baseline="0" noProof="0">
+              <a:ln>
+                <a:noFill/>
+              </a:ln>
+              <a:solidFill>
+                <a:prstClr val="white"/>
+              </a:solidFill>
+              <a:effectLst/>
+              <a:uLnTx/>
+              <a:uFillTx/>
+              <a:latin typeface="Calibri" panose="020F0502020204030204"/>
+              <a:ea typeface="+mn-ea"/>
+              <a:cs typeface="+mn-cs"/>
+            </a:endParaRPr>
+          </a:p>
+        </p:txBody>
+      </p:sp>
+      <p:sp>
+        <p:nvSpPr>
+          <p:cNvPr id="2" name="Title 1">
+            <a:extLst>
+              <a:ext uri="{FF2B5EF4-FFF2-40B4-BE49-F238E27FC236}">
+                <a16:creationId xmlns:a16="http://schemas.microsoft.com/office/drawing/2014/main" id="{3349BE17-6E08-4759-8D2B-BE7729495A16}"/>
+              </a:ext>
+            </a:extLst>
+          </p:cNvPr>
+          <p:cNvSpPr>
+            <a:spLocks noGrp="1"/>
+          </p:cNvSpPr>
+          <p:nvPr>
+            <p:ph type="title"/>
+          </p:nvPr>
+        </p:nvSpPr>
+        <p:spPr>
+          <a:xfrm>
+            <a:off x="816366" y="4055729"/>
+            <a:ext cx="9902881" cy="1325563"/>
+          </a:xfrm>
+        </p:spPr>
+        <p:txBody>
+          <a:bodyPr vert="horz" lIns="91440" tIns="45720" rIns="91440" bIns="45720" rtlCol="0" anchor="b">
+            <a:normAutofit/>
+          </a:bodyPr>
+          <a:lstStyle/>
+          <a:p>
+            <a:r>
+              <a:rPr lang="en-US" sz="6000" dirty="0"/>
+              <a:t>The Projects Tab</a:t>
+            </a:r>
+          </a:p>
+        </p:txBody>
+      </p:sp>
+    </p:spTree>
+    <p:extLst>
+      <p:ext uri="{BB962C8B-B14F-4D97-AF65-F5344CB8AC3E}">
+        <p14:creationId xmlns:p14="http://schemas.microsoft.com/office/powerpoint/2010/main" val="4018162350"/>
+      </p:ext>
+    </p:extLst>
+  </p:cSld>
+  <p:clrMapOvr>
+    <a:overrideClrMapping bg1="dk1" tx1="lt1" bg2="dk2" tx2="lt2" accent1="accent1" accent2="accent2" accent3="accent3" accent4="accent4" accent5="accent5" accent6="accent6" hlink="hlink" folHlink="folHlink"/>
+  </p:clrMapOvr>
+</p:sld>
+</file>
+
+<file path=ppt/slides/slide11.xml><?xml version="1.0" encoding="utf-8"?>
+<p:sld xmlns:a="http://schemas.openxmlformats.org/drawingml/2006/main" xmlns:r="http://schemas.openxmlformats.org/officeDocument/2006/relationships" xmlns:p="http://schemas.openxmlformats.org/presentationml/2006/main">
+  <p:cSld>
+    <p:spTree>
+      <p:nvGrpSpPr>
+        <p:cNvPr id="1" name=""/>
+        <p:cNvGrpSpPr/>
+        <p:nvPr/>
+      </p:nvGrpSpPr>
+      <p:grpSpPr>
+        <a:xfrm>
+          <a:off x="0" y="0"/>
+          <a:ext cx="0" cy="0"/>
+          <a:chOff x="0" y="0"/>
+          <a:chExt cx="0" cy="0"/>
+        </a:xfrm>
+      </p:grpSpPr>
+      <p:sp>
+        <p:nvSpPr>
+          <p:cNvPr id="10" name="Rectangle 9"/>
+          <p:cNvSpPr>
+            <a:spLocks noGrp="1" noRot="1" noChangeAspect="1" noMove="1" noResize="1" noEditPoints="1" noAdjustHandles="1" noChangeArrowheads="1" noChangeShapeType="1" noTextEdit="1"/>
+          </p:cNvSpPr>
+          <p:nvPr>
+            <p:extLst>
+              <p:ext uri="{386F3935-93C4-4BCD-93E2-E3B085C9AB24}">
+                <p16:designElem xmlns:p16="http://schemas.microsoft.com/office/powerpoint/2015/main" val="1"/>
+              </p:ext>
+            </p:extLst>
+          </p:nvPr>
+        </p:nvSpPr>
+        <p:spPr bwMode="white">
+          <a:xfrm>
+            <a:off x="0" y="0"/>
+            <a:ext cx="12192000" cy="6858000"/>
+          </a:xfrm>
+          <a:prstGeom prst="rect">
+            <a:avLst/>
+          </a:prstGeom>
+          <a:solidFill>
+            <a:schemeClr val="bg1"/>
+          </a:solidFill>
+          <a:ln>
+            <a:noFill/>
+          </a:ln>
+          <a:effectLst/>
+        </p:spPr>
+      </p:sp>
+      <p:pic>
+        <p:nvPicPr>
+          <p:cNvPr id="7" name="Content Placeholder 3">
+            <a:extLst>
+              <a:ext uri="{FF2B5EF4-FFF2-40B4-BE49-F238E27FC236}">
+                <a16:creationId xmlns:a16="http://schemas.microsoft.com/office/drawing/2014/main" id="{6461DB0C-DAA7-4635-8560-FC4C3B026339}"/>
+              </a:ext>
+            </a:extLst>
+          </p:cNvPr>
+          <p:cNvPicPr>
+            <a:picLocks noGrp="1" noChangeAspect="1"/>
+          </p:cNvPicPr>
+          <p:nvPr>
+            <p:ph idx="1"/>
+          </p:nvPr>
+        </p:nvPicPr>
+        <p:blipFill rotWithShape="1">
+          <a:blip r:embed="rId2"/>
+          <a:srcRect/>
+          <a:stretch/>
+        </p:blipFill>
+        <p:spPr>
+          <a:xfrm>
+            <a:off x="20" y="10"/>
+            <a:ext cx="12191980" cy="6857990"/>
+          </a:xfrm>
+          <a:prstGeom prst="rect">
+            <a:avLst/>
+          </a:prstGeom>
+        </p:spPr>
+      </p:pic>
+      <p:sp>
+        <p:nvSpPr>
+          <p:cNvPr id="12" name="Rectangle 11"/>
+          <p:cNvSpPr>
+            <a:spLocks noGrp="1" noRot="1" noChangeAspect="1" noMove="1" noResize="1" noEditPoints="1" noAdjustHandles="1" noChangeArrowheads="1" noChangeShapeType="1" noTextEdit="1"/>
+          </p:cNvSpPr>
+          <p:nvPr>
+            <p:extLst>
+              <p:ext uri="{386F3935-93C4-4BCD-93E2-E3B085C9AB24}">
+                <p16:designElem xmlns:p16="http://schemas.microsoft.com/office/powerpoint/2015/main" val="1"/>
+              </p:ext>
+            </p:extLst>
+          </p:nvPr>
+        </p:nvSpPr>
+        <p:spPr bwMode="white">
+          <a:xfrm>
+            <a:off x="0" y="3894861"/>
+            <a:ext cx="10883900" cy="1671361"/>
+          </a:xfrm>
+          <a:prstGeom prst="rect">
+            <a:avLst/>
+          </a:prstGeom>
+          <a:solidFill>
+            <a:schemeClr val="bg1">
+              <a:alpha val="80000"/>
+            </a:schemeClr>
+          </a:solidFill>
+          <a:ln>
+            <a:noFill/>
+          </a:ln>
+        </p:spPr>
+        <p:style>
+          <a:lnRef idx="2">
+            <a:schemeClr val="accent1">
+              <a:shade val="50000"/>
+            </a:schemeClr>
+          </a:lnRef>
+          <a:fillRef idx="1">
+            <a:schemeClr val="accent1"/>
+          </a:fillRef>
+          <a:effectRef idx="0">
+            <a:schemeClr val="accent1"/>
+          </a:effectRef>
+          <a:fontRef idx="minor">
+            <a:schemeClr val="lt1"/>
+          </a:fontRef>
+        </p:style>
+        <p:txBody>
+          <a:bodyPr rtlCol="0" anchor="ctr"/>
+          <a:lstStyle/>
+          <a:p>
+            <a:pPr marL="0" marR="0" lvl="0" indent="0" algn="ctr" defTabSz="914400" rtl="0" eaLnBrk="1" fontAlgn="auto" latinLnBrk="0" hangingPunct="1">
+              <a:lnSpc>
+                <a:spcPct val="100000"/>
+              </a:lnSpc>
+              <a:spcBef>
+                <a:spcPts val="0"/>
+              </a:spcBef>
+              <a:spcAft>
+                <a:spcPts val="0"/>
+              </a:spcAft>
+              <a:buClrTx/>
+              <a:buSzTx/>
+              <a:buFontTx/>
+              <a:buNone/>
+              <a:tabLst/>
+              <a:defRPr/>
+            </a:pPr>
+            <a:endParaRPr kumimoji="0" lang="en-US" sz="1800" b="0" i="0" u="none" strike="noStrike" kern="1200" cap="none" spc="0" normalizeH="0" baseline="0" noProof="0">
+              <a:ln>
+                <a:noFill/>
+              </a:ln>
+              <a:solidFill>
+                <a:prstClr val="white"/>
+              </a:solidFill>
+              <a:effectLst/>
+              <a:uLnTx/>
+              <a:uFillTx/>
+              <a:latin typeface="Calibri" panose="020F0502020204030204"/>
+              <a:ea typeface="+mn-ea"/>
+              <a:cs typeface="+mn-cs"/>
+            </a:endParaRPr>
+          </a:p>
+        </p:txBody>
+      </p:sp>
+      <p:sp>
+        <p:nvSpPr>
+          <p:cNvPr id="2" name="Title 1">
+            <a:extLst>
+              <a:ext uri="{FF2B5EF4-FFF2-40B4-BE49-F238E27FC236}">
+                <a16:creationId xmlns:a16="http://schemas.microsoft.com/office/drawing/2014/main" id="{E7831512-A5E4-45CA-83D4-3FD3AAEAEBCF}"/>
+              </a:ext>
+            </a:extLst>
+          </p:cNvPr>
+          <p:cNvSpPr>
+            <a:spLocks noGrp="1"/>
+          </p:cNvSpPr>
+          <p:nvPr>
+            <p:ph type="title"/>
+          </p:nvPr>
+        </p:nvSpPr>
+        <p:spPr>
+          <a:xfrm>
+            <a:off x="816366" y="4055729"/>
+            <a:ext cx="9902881" cy="1325563"/>
+          </a:xfrm>
+        </p:spPr>
+        <p:txBody>
+          <a:bodyPr vert="horz" lIns="91440" tIns="45720" rIns="91440" bIns="45720" rtlCol="0" anchor="b">
+            <a:normAutofit/>
+          </a:bodyPr>
+          <a:lstStyle/>
+          <a:p>
+            <a:r>
+              <a:rPr lang="en-US" sz="6000" dirty="0"/>
+              <a:t>Uploaded Files Tab</a:t>
+            </a:r>
+          </a:p>
+        </p:txBody>
+      </p:sp>
+    </p:spTree>
+    <p:extLst>
+      <p:ext uri="{BB962C8B-B14F-4D97-AF65-F5344CB8AC3E}">
+        <p14:creationId xmlns:p14="http://schemas.microsoft.com/office/powerpoint/2010/main" val="3948640829"/>
+      </p:ext>
+    </p:extLst>
+  </p:cSld>
+  <p:clrMapOvr>
+    <a:overrideClrMapping bg1="dk1" tx1="lt1" bg2="dk2" tx2="lt2" accent1="accent1" accent2="accent2" accent3="accent3" accent4="accent4" accent5="accent5" accent6="accent6" hlink="hlink" folHlink="folHlink"/>
+  </p:clrMapOvr>
+</p:sld>
+</file>
+
+<file path=ppt/slides/slide12.xml><?xml version="1.0" encoding="utf-8"?>
+<p:sld xmlns:a="http://schemas.openxmlformats.org/drawingml/2006/main" xmlns:r="http://schemas.openxmlformats.org/officeDocument/2006/relationships" xmlns:p="http://schemas.openxmlformats.org/presentationml/2006/main">
+  <p:cSld>
+    <p:spTree>
+      <p:nvGrpSpPr>
+        <p:cNvPr id="1" name=""/>
+        <p:cNvGrpSpPr/>
+        <p:nvPr/>
+      </p:nvGrpSpPr>
+      <p:grpSpPr>
+        <a:xfrm>
+          <a:off x="0" y="0"/>
+          <a:ext cx="0" cy="0"/>
+          <a:chOff x="0" y="0"/>
+          <a:chExt cx="0" cy="0"/>
+        </a:xfrm>
+      </p:grpSpPr>
+      <p:sp>
+        <p:nvSpPr>
+          <p:cNvPr id="13" name="Rectangle 12"/>
+          <p:cNvSpPr>
+            <a:spLocks noGrp="1" noRot="1" noChangeAspect="1" noMove="1" noResize="1" noEditPoints="1" noAdjustHandles="1" noChangeArrowheads="1" noChangeShapeType="1" noTextEdit="1"/>
+          </p:cNvSpPr>
+          <p:nvPr>
+            <p:extLst>
+              <p:ext uri="{386F3935-93C4-4BCD-93E2-E3B085C9AB24}">
+                <p16:designElem xmlns:p16="http://schemas.microsoft.com/office/powerpoint/2015/main" val="1"/>
+              </p:ext>
+            </p:extLst>
+          </p:nvPr>
+        </p:nvSpPr>
+        <p:spPr bwMode="white">
+          <a:xfrm>
+            <a:off x="0" y="0"/>
+            <a:ext cx="12192000" cy="6858000"/>
+          </a:xfrm>
+          <a:prstGeom prst="rect">
+            <a:avLst/>
+          </a:prstGeom>
+          <a:solidFill>
+            <a:schemeClr val="bg1"/>
+          </a:solidFill>
+          <a:ln>
+            <a:noFill/>
+          </a:ln>
+          <a:effectLst/>
+        </p:spPr>
+      </p:sp>
+      <p:pic>
+        <p:nvPicPr>
+          <p:cNvPr id="10" name="Content Placeholder 6">
+            <a:extLst>
+              <a:ext uri="{FF2B5EF4-FFF2-40B4-BE49-F238E27FC236}">
+                <a16:creationId xmlns:a16="http://schemas.microsoft.com/office/drawing/2014/main" id="{1BD60F69-3A1D-4ABC-BBCC-03B8CC295FC6}"/>
+              </a:ext>
+            </a:extLst>
+          </p:cNvPr>
+          <p:cNvPicPr>
+            <a:picLocks noGrp="1" noChangeAspect="1"/>
+          </p:cNvPicPr>
+          <p:nvPr>
+            <p:ph idx="1"/>
+          </p:nvPr>
+        </p:nvPicPr>
+        <p:blipFill rotWithShape="1">
+          <a:blip r:embed="rId2"/>
+          <a:srcRect/>
+          <a:stretch/>
+        </p:blipFill>
+        <p:spPr>
+          <a:xfrm>
+            <a:off x="20" y="10"/>
+            <a:ext cx="12191980" cy="6857990"/>
+          </a:xfrm>
+          <a:prstGeom prst="rect">
+            <a:avLst/>
+          </a:prstGeom>
+        </p:spPr>
+      </p:pic>
+      <p:sp>
+        <p:nvSpPr>
+          <p:cNvPr id="15" name="Rectangle 14"/>
+          <p:cNvSpPr>
+            <a:spLocks noGrp="1" noRot="1" noChangeAspect="1" noMove="1" noResize="1" noEditPoints="1" noAdjustHandles="1" noChangeArrowheads="1" noChangeShapeType="1" noTextEdit="1"/>
+          </p:cNvSpPr>
+          <p:nvPr>
+            <p:extLst>
+              <p:ext uri="{386F3935-93C4-4BCD-93E2-E3B085C9AB24}">
+                <p16:designElem xmlns:p16="http://schemas.microsoft.com/office/powerpoint/2015/main" val="1"/>
+              </p:ext>
+            </p:extLst>
+          </p:nvPr>
+        </p:nvSpPr>
+        <p:spPr bwMode="white">
+          <a:xfrm>
+            <a:off x="0" y="3894861"/>
+            <a:ext cx="10883900" cy="1671361"/>
+          </a:xfrm>
+          <a:prstGeom prst="rect">
+            <a:avLst/>
+          </a:prstGeom>
+          <a:solidFill>
+            <a:schemeClr val="bg1">
+              <a:alpha val="80000"/>
+            </a:schemeClr>
+          </a:solidFill>
+          <a:ln>
+            <a:noFill/>
+          </a:ln>
+        </p:spPr>
+        <p:style>
+          <a:lnRef idx="2">
+            <a:schemeClr val="accent1">
+              <a:shade val="50000"/>
+            </a:schemeClr>
+          </a:lnRef>
+          <a:fillRef idx="1">
+            <a:schemeClr val="accent1"/>
+          </a:fillRef>
+          <a:effectRef idx="0">
+            <a:schemeClr val="accent1"/>
+          </a:effectRef>
+          <a:fontRef idx="minor">
+            <a:schemeClr val="lt1"/>
+          </a:fontRef>
+        </p:style>
+        <p:txBody>
+          <a:bodyPr rtlCol="0" anchor="ctr"/>
+          <a:lstStyle/>
+          <a:p>
+            <a:pPr marL="0" marR="0" lvl="0" indent="0" algn="ctr" defTabSz="914400" rtl="0" eaLnBrk="1" fontAlgn="auto" latinLnBrk="0" hangingPunct="1">
+              <a:lnSpc>
+                <a:spcPct val="100000"/>
+              </a:lnSpc>
+              <a:spcBef>
+                <a:spcPts val="0"/>
+              </a:spcBef>
+              <a:spcAft>
+                <a:spcPts val="0"/>
+              </a:spcAft>
+              <a:buClrTx/>
+              <a:buSzTx/>
+              <a:buFontTx/>
+              <a:buNone/>
+              <a:tabLst/>
+              <a:defRPr/>
+            </a:pPr>
+            <a:endParaRPr kumimoji="0" lang="en-US" sz="1800" b="0" i="0" u="none" strike="noStrike" kern="1200" cap="none" spc="0" normalizeH="0" baseline="0" noProof="0">
+              <a:ln>
+                <a:noFill/>
+              </a:ln>
+              <a:solidFill>
+                <a:prstClr val="white"/>
+              </a:solidFill>
+              <a:effectLst/>
+              <a:uLnTx/>
+              <a:uFillTx/>
+              <a:latin typeface="Calibri" panose="020F0502020204030204"/>
+              <a:ea typeface="+mn-ea"/>
+              <a:cs typeface="+mn-cs"/>
+            </a:endParaRPr>
+          </a:p>
+        </p:txBody>
+      </p:sp>
+      <p:sp>
+        <p:nvSpPr>
+          <p:cNvPr id="2" name="Title 1">
+            <a:extLst>
+              <a:ext uri="{FF2B5EF4-FFF2-40B4-BE49-F238E27FC236}">
+                <a16:creationId xmlns:a16="http://schemas.microsoft.com/office/drawing/2014/main" id="{1ACF5D51-C775-4BDB-8556-84B42DFDFDD2}"/>
+              </a:ext>
+            </a:extLst>
+          </p:cNvPr>
+          <p:cNvSpPr>
+            <a:spLocks noGrp="1"/>
+          </p:cNvSpPr>
+          <p:nvPr>
+            <p:ph type="title"/>
+          </p:nvPr>
+        </p:nvSpPr>
+        <p:spPr>
+          <a:xfrm>
+            <a:off x="816366" y="4055729"/>
+            <a:ext cx="9902881" cy="1325563"/>
+          </a:xfrm>
+        </p:spPr>
+        <p:txBody>
+          <a:bodyPr vert="horz" lIns="91440" tIns="45720" rIns="91440" bIns="45720" rtlCol="0" anchor="b">
+            <a:normAutofit/>
+          </a:bodyPr>
+          <a:lstStyle/>
+          <a:p>
+            <a:r>
+              <a:rPr lang="en-US" sz="6000" dirty="0"/>
+              <a:t>Recording Options Tab</a:t>
+            </a:r>
+          </a:p>
+        </p:txBody>
+      </p:sp>
+    </p:spTree>
+    <p:extLst>
+      <p:ext uri="{BB962C8B-B14F-4D97-AF65-F5344CB8AC3E}">
+        <p14:creationId xmlns:p14="http://schemas.microsoft.com/office/powerpoint/2010/main" val="1313393762"/>
+      </p:ext>
+    </p:extLst>
+  </p:cSld>
+  <p:clrMapOvr>
+    <a:masterClrMapping/>
+  </p:clrMapOvr>
+</p:sld>
+</file>
+
+<file path=ppt/slides/slide13.xml><?xml version="1.0" encoding="utf-8"?>
+<p:sld xmlns:a="http://schemas.openxmlformats.org/drawingml/2006/main" xmlns:r="http://schemas.openxmlformats.org/officeDocument/2006/relationships" xmlns:p="http://schemas.openxmlformats.org/presentationml/2006/main">
+  <p:cSld>
+    <p:spTree>
+      <p:nvGrpSpPr>
+        <p:cNvPr id="1" name=""/>
+        <p:cNvGrpSpPr/>
+        <p:nvPr/>
+      </p:nvGrpSpPr>
+      <p:grpSpPr>
+        <a:xfrm>
+          <a:off x="0" y="0"/>
+          <a:ext cx="0" cy="0"/>
+          <a:chOff x="0" y="0"/>
+          <a:chExt cx="0" cy="0"/>
+        </a:xfrm>
+      </p:grpSpPr>
+      <p:sp>
+        <p:nvSpPr>
+          <p:cNvPr id="28" name="Rectangle 27"/>
+          <p:cNvSpPr>
+            <a:spLocks noGrp="1" noRot="1" noChangeAspect="1" noMove="1" noResize="1" noEditPoints="1" noAdjustHandles="1" noChangeArrowheads="1" noChangeShapeType="1" noTextEdit="1"/>
+          </p:cNvSpPr>
+          <p:nvPr>
+            <p:extLst>
+              <p:ext uri="{386F3935-93C4-4BCD-93E2-E3B085C9AB24}">
+                <p16:designElem xmlns:p16="http://schemas.microsoft.com/office/powerpoint/2015/main" val="1"/>
+              </p:ext>
+            </p:extLst>
+          </p:nvPr>
+        </p:nvSpPr>
+        <p:spPr bwMode="white">
+          <a:xfrm>
+            <a:off x="0" y="0"/>
+            <a:ext cx="12192000" cy="6858000"/>
+          </a:xfrm>
+          <a:prstGeom prst="rect">
+            <a:avLst/>
+          </a:prstGeom>
+          <a:solidFill>
+            <a:schemeClr val="bg1"/>
+          </a:solidFill>
+          <a:ln>
+            <a:noFill/>
+          </a:ln>
+          <a:effectLst/>
+        </p:spPr>
+      </p:sp>
+      <p:sp>
+        <p:nvSpPr>
+          <p:cNvPr id="30" name="Rectangle 29"/>
           <p:cNvSpPr>
             <a:spLocks noGrp="1" noRot="1" noChangeAspect="1" noMove="1" noResize="1" noEditPoints="1" noAdjustHandles="1" noChangeArrowheads="1" noChangeShapeType="1" noTextEdit="1"/>
           </p:cNvSpPr>
@@ -4474,10 +5112,10 @@
       </p:sp>
       <p:pic>
         <p:nvPicPr>
-          <p:cNvPr id="7" name="Content Placeholder 6">
-            <a:extLst>
-              <a:ext uri="{FF2B5EF4-FFF2-40B4-BE49-F238E27FC236}">
-                <a16:creationId xmlns:a16="http://schemas.microsoft.com/office/drawing/2014/main" id="{6A128BF9-B893-49B1-9A11-621F5F877AB8}"/>
+          <p:cNvPr id="24" name="Content Placeholder 3">
+            <a:extLst>
+              <a:ext uri="{FF2B5EF4-FFF2-40B4-BE49-F238E27FC236}">
+                <a16:creationId xmlns:a16="http://schemas.microsoft.com/office/drawing/2014/main" id="{A057630C-10AD-4ECA-B058-88E463C89B4A}"/>
               </a:ext>
             </a:extLst>
           </p:cNvPr>
@@ -4509,7 +5147,7 @@
           <p:cNvPr id="2" name="Title 1">
             <a:extLst>
               <a:ext uri="{FF2B5EF4-FFF2-40B4-BE49-F238E27FC236}">
-                <a16:creationId xmlns:a16="http://schemas.microsoft.com/office/drawing/2014/main" id="{BF18F4DC-644C-41F8-A3CA-0360FB5DD0D8}"/>
+                <a16:creationId xmlns:a16="http://schemas.microsoft.com/office/drawing/2014/main" id="{A3B32DB5-EE32-485D-8166-A113A8AF1122}"/>
               </a:ext>
             </a:extLst>
           </p:cNvPr>
@@ -4559,7 +5197,28 @@
                 <a:ea typeface="+mj-ea"/>
                 <a:cs typeface="+mj-cs"/>
               </a:rPr>
-              <a:t>Login Screen</a:t>
+              <a:t>Query Builder</a:t>
+            </a:r>
+            <a:br>
+              <a:rPr lang="en-US" sz="2600" kern="1200" dirty="0">
+                <a:solidFill>
+                  <a:schemeClr val="bg1"/>
+                </a:solidFill>
+                <a:latin typeface="+mj-lt"/>
+                <a:ea typeface="+mj-ea"/>
+                <a:cs typeface="+mj-cs"/>
+              </a:rPr>
+            </a:br>
+            <a:r>
+              <a:rPr lang="en-US" sz="2600" kern="1200" dirty="0">
+                <a:solidFill>
+                  <a:schemeClr val="bg1"/>
+                </a:solidFill>
+                <a:latin typeface="+mj-lt"/>
+                <a:ea typeface="+mj-ea"/>
+                <a:cs typeface="+mj-cs"/>
+              </a:rPr>
+              <a:t>(With Sample Input)</a:t>
             </a:r>
           </a:p>
         </p:txBody>
@@ -4567,714 +5226,12 @@
     </p:spTree>
     <p:extLst>
       <p:ext uri="{BB962C8B-B14F-4D97-AF65-F5344CB8AC3E}">
-        <p14:creationId xmlns:p14="http://schemas.microsoft.com/office/powerpoint/2010/main" val="3382373465"/>
+        <p14:creationId xmlns:p14="http://schemas.microsoft.com/office/powerpoint/2010/main" val="2681977891"/>
       </p:ext>
     </p:extLst>
   </p:cSld>
   <p:clrMapOvr>
     <a:masterClrMapping/>
-  </p:clrMapOvr>
-</p:sld>
-</file>
-
-<file path=ppt/slides/slide11.xml><?xml version="1.0" encoding="utf-8"?>
-<p:sld xmlns:a="http://schemas.openxmlformats.org/drawingml/2006/main" xmlns:r="http://schemas.openxmlformats.org/officeDocument/2006/relationships" xmlns:p="http://schemas.openxmlformats.org/presentationml/2006/main">
-  <p:cSld>
-    <p:spTree>
-      <p:nvGrpSpPr>
-        <p:cNvPr id="1" name=""/>
-        <p:cNvGrpSpPr/>
-        <p:nvPr/>
-      </p:nvGrpSpPr>
-      <p:grpSpPr>
-        <a:xfrm>
-          <a:off x="0" y="0"/>
-          <a:ext cx="0" cy="0"/>
-          <a:chOff x="0" y="0"/>
-          <a:chExt cx="0" cy="0"/>
-        </a:xfrm>
-      </p:grpSpPr>
-      <p:sp>
-        <p:nvSpPr>
-          <p:cNvPr id="32" name="Rectangle 31"/>
-          <p:cNvSpPr>
-            <a:spLocks noGrp="1" noRot="1" noChangeAspect="1" noMove="1" noResize="1" noEditPoints="1" noAdjustHandles="1" noChangeArrowheads="1" noChangeShapeType="1" noTextEdit="1"/>
-          </p:cNvSpPr>
-          <p:nvPr>
-            <p:extLst>
-              <p:ext uri="{386F3935-93C4-4BCD-93E2-E3B085C9AB24}">
-                <p16:designElem xmlns:p16="http://schemas.microsoft.com/office/powerpoint/2015/main" val="1"/>
-              </p:ext>
-            </p:extLst>
-          </p:nvPr>
-        </p:nvSpPr>
-        <p:spPr bwMode="white">
-          <a:xfrm>
-            <a:off x="0" y="0"/>
-            <a:ext cx="12192000" cy="6858000"/>
-          </a:xfrm>
-          <a:prstGeom prst="rect">
-            <a:avLst/>
-          </a:prstGeom>
-          <a:solidFill>
-            <a:schemeClr val="bg1"/>
-          </a:solidFill>
-          <a:ln>
-            <a:noFill/>
-          </a:ln>
-          <a:effectLst/>
-        </p:spPr>
-      </p:sp>
-      <p:pic>
-        <p:nvPicPr>
-          <p:cNvPr id="29" name="Content Placeholder 4">
-            <a:extLst>
-              <a:ext uri="{FF2B5EF4-FFF2-40B4-BE49-F238E27FC236}">
-                <a16:creationId xmlns:a16="http://schemas.microsoft.com/office/drawing/2014/main" id="{3A69688C-52EC-4686-A551-E9CD04F8F633}"/>
-              </a:ext>
-            </a:extLst>
-          </p:cNvPr>
-          <p:cNvPicPr>
-            <a:picLocks noGrp="1" noChangeAspect="1"/>
-          </p:cNvPicPr>
-          <p:nvPr>
-            <p:ph idx="1"/>
-          </p:nvPr>
-        </p:nvPicPr>
-        <p:blipFill rotWithShape="1">
-          <a:blip r:embed="rId2"/>
-          <a:srcRect/>
-          <a:stretch/>
-        </p:blipFill>
-        <p:spPr>
-          <a:xfrm>
-            <a:off x="20" y="10"/>
-            <a:ext cx="12191980" cy="6857990"/>
-          </a:xfrm>
-          <a:prstGeom prst="rect">
-            <a:avLst/>
-          </a:prstGeom>
-        </p:spPr>
-      </p:pic>
-      <p:sp>
-        <p:nvSpPr>
-          <p:cNvPr id="34" name="Rectangle 33"/>
-          <p:cNvSpPr>
-            <a:spLocks noGrp="1" noRot="1" noChangeAspect="1" noMove="1" noResize="1" noEditPoints="1" noAdjustHandles="1" noChangeArrowheads="1" noChangeShapeType="1" noTextEdit="1"/>
-          </p:cNvSpPr>
-          <p:nvPr>
-            <p:extLst>
-              <p:ext uri="{386F3935-93C4-4BCD-93E2-E3B085C9AB24}">
-                <p16:designElem xmlns:p16="http://schemas.microsoft.com/office/powerpoint/2015/main" val="1"/>
-              </p:ext>
-            </p:extLst>
-          </p:nvPr>
-        </p:nvSpPr>
-        <p:spPr>
-          <a:xfrm>
-            <a:off x="0" y="5320142"/>
-            <a:ext cx="12192000" cy="736551"/>
-          </a:xfrm>
-          <a:prstGeom prst="rect">
-            <a:avLst/>
-          </a:prstGeom>
-          <a:solidFill>
-            <a:schemeClr val="tx1">
-              <a:alpha val="75000"/>
-            </a:schemeClr>
-          </a:solidFill>
-          <a:ln>
-            <a:noFill/>
-          </a:ln>
-        </p:spPr>
-        <p:style>
-          <a:lnRef idx="2">
-            <a:schemeClr val="accent1">
-              <a:shade val="50000"/>
-            </a:schemeClr>
-          </a:lnRef>
-          <a:fillRef idx="1">
-            <a:schemeClr val="accent1"/>
-          </a:fillRef>
-          <a:effectRef idx="0">
-            <a:schemeClr val="accent1"/>
-          </a:effectRef>
-          <a:fontRef idx="minor">
-            <a:schemeClr val="lt1"/>
-          </a:fontRef>
-        </p:style>
-        <p:txBody>
-          <a:bodyPr rtlCol="0" anchor="ctr"/>
-          <a:lstStyle/>
-          <a:p>
-            <a:pPr algn="ctr"/>
-            <a:endParaRPr lang="en-US"/>
-          </a:p>
-        </p:txBody>
-      </p:sp>
-      <p:cxnSp>
-        <p:nvCxnSpPr>
-          <p:cNvPr id="36" name="Straight Connector 35"/>
-          <p:cNvCxnSpPr>
-            <a:cxnSpLocks noGrp="1" noRot="1" noChangeAspect="1" noMove="1" noResize="1" noEditPoints="1" noAdjustHandles="1" noChangeArrowheads="1" noChangeShapeType="1"/>
-          </p:cNvCxnSpPr>
-          <p:nvPr>
-            <p:extLst>
-              <p:ext uri="{386F3935-93C4-4BCD-93E2-E3B085C9AB24}">
-                <p16:designElem xmlns:p16="http://schemas.microsoft.com/office/powerpoint/2015/main" val="1"/>
-              </p:ext>
-            </p:extLst>
-          </p:nvPr>
-        </p:nvCxnSpPr>
-        <p:spPr>
-          <a:xfrm>
-            <a:off x="0" y="5241983"/>
-            <a:ext cx="12192000" cy="0"/>
-          </a:xfrm>
-          <a:prstGeom prst="line">
-            <a:avLst/>
-          </a:prstGeom>
-          <a:ln w="41275">
-            <a:solidFill>
-              <a:schemeClr val="bg1">
-                <a:alpha val="90000"/>
-              </a:schemeClr>
-            </a:solidFill>
-          </a:ln>
-        </p:spPr>
-        <p:style>
-          <a:lnRef idx="1">
-            <a:schemeClr val="accent1"/>
-          </a:lnRef>
-          <a:fillRef idx="0">
-            <a:schemeClr val="accent1"/>
-          </a:fillRef>
-          <a:effectRef idx="0">
-            <a:schemeClr val="accent1"/>
-          </a:effectRef>
-          <a:fontRef idx="minor">
-            <a:schemeClr val="tx1"/>
-          </a:fontRef>
-        </p:style>
-      </p:cxnSp>
-      <p:cxnSp>
-        <p:nvCxnSpPr>
-          <p:cNvPr id="38" name="Straight Connector 37"/>
-          <p:cNvCxnSpPr>
-            <a:cxnSpLocks noGrp="1" noRot="1" noChangeAspect="1" noMove="1" noResize="1" noEditPoints="1" noAdjustHandles="1" noChangeArrowheads="1" noChangeShapeType="1"/>
-          </p:cNvCxnSpPr>
-          <p:nvPr>
-            <p:extLst>
-              <p:ext uri="{386F3935-93C4-4BCD-93E2-E3B085C9AB24}">
-                <p16:designElem xmlns:p16="http://schemas.microsoft.com/office/powerpoint/2015/main" val="1"/>
-              </p:ext>
-            </p:extLst>
-          </p:nvPr>
-        </p:nvCxnSpPr>
-        <p:spPr>
-          <a:xfrm>
-            <a:off x="0" y="6134852"/>
-            <a:ext cx="12192000" cy="0"/>
-          </a:xfrm>
-          <a:prstGeom prst="line">
-            <a:avLst/>
-          </a:prstGeom>
-          <a:ln w="41275">
-            <a:solidFill>
-              <a:schemeClr val="bg1">
-                <a:alpha val="90000"/>
-              </a:schemeClr>
-            </a:solidFill>
-          </a:ln>
-        </p:spPr>
-        <p:style>
-          <a:lnRef idx="1">
-            <a:schemeClr val="accent1"/>
-          </a:lnRef>
-          <a:fillRef idx="0">
-            <a:schemeClr val="accent1"/>
-          </a:fillRef>
-          <a:effectRef idx="0">
-            <a:schemeClr val="accent1"/>
-          </a:effectRef>
-          <a:fontRef idx="minor">
-            <a:schemeClr val="tx1"/>
-          </a:fontRef>
-        </p:style>
-      </p:cxnSp>
-      <p:sp>
-        <p:nvSpPr>
-          <p:cNvPr id="2" name="Title 1">
-            <a:extLst>
-              <a:ext uri="{FF2B5EF4-FFF2-40B4-BE49-F238E27FC236}">
-                <a16:creationId xmlns:a16="http://schemas.microsoft.com/office/drawing/2014/main" id="{91B8B28A-2217-40BF-B9DD-6574946BADEB}"/>
-              </a:ext>
-            </a:extLst>
-          </p:cNvPr>
-          <p:cNvSpPr>
-            <a:spLocks noGrp="1"/>
-          </p:cNvSpPr>
-          <p:nvPr>
-            <p:ph type="title"/>
-          </p:nvPr>
-        </p:nvSpPr>
-        <p:spPr>
-          <a:xfrm>
-            <a:off x="523875" y="5317240"/>
-            <a:ext cx="11210925" cy="744836"/>
-          </a:xfrm>
-        </p:spPr>
-        <p:txBody>
-          <a:bodyPr vert="horz" lIns="91440" tIns="45720" rIns="91440" bIns="45720" rtlCol="0" anchor="ctr">
-            <a:normAutofit/>
-          </a:bodyPr>
-          <a:lstStyle/>
-          <a:p>
-            <a:pPr algn="ctr"/>
-            <a:r>
-              <a:rPr lang="en-US" sz="3600">
-                <a:solidFill>
-                  <a:schemeClr val="bg1"/>
-                </a:solidFill>
-              </a:rPr>
-              <a:t>The Dashboard</a:t>
-            </a:r>
-          </a:p>
-        </p:txBody>
-      </p:sp>
-    </p:spTree>
-    <p:extLst>
-      <p:ext uri="{BB962C8B-B14F-4D97-AF65-F5344CB8AC3E}">
-        <p14:creationId xmlns:p14="http://schemas.microsoft.com/office/powerpoint/2010/main" val="915291894"/>
-      </p:ext>
-    </p:extLst>
-  </p:cSld>
-  <p:clrMapOvr>
-    <a:masterClrMapping/>
-  </p:clrMapOvr>
-</p:sld>
-</file>
-
-<file path=ppt/slides/slide12.xml><?xml version="1.0" encoding="utf-8"?>
-<p:sld xmlns:a="http://schemas.openxmlformats.org/drawingml/2006/main" xmlns:r="http://schemas.openxmlformats.org/officeDocument/2006/relationships" xmlns:p="http://schemas.openxmlformats.org/presentationml/2006/main">
-  <p:cSld>
-    <p:spTree>
-      <p:nvGrpSpPr>
-        <p:cNvPr id="1" name=""/>
-        <p:cNvGrpSpPr/>
-        <p:nvPr/>
-      </p:nvGrpSpPr>
-      <p:grpSpPr>
-        <a:xfrm>
-          <a:off x="0" y="0"/>
-          <a:ext cx="0" cy="0"/>
-          <a:chOff x="0" y="0"/>
-          <a:chExt cx="0" cy="0"/>
-        </a:xfrm>
-      </p:grpSpPr>
-      <p:sp>
-        <p:nvSpPr>
-          <p:cNvPr id="21" name="Rectangle 20"/>
-          <p:cNvSpPr>
-            <a:spLocks noGrp="1" noRot="1" noChangeAspect="1" noMove="1" noResize="1" noEditPoints="1" noAdjustHandles="1" noChangeArrowheads="1" noChangeShapeType="1" noTextEdit="1"/>
-          </p:cNvSpPr>
-          <p:nvPr>
-            <p:extLst>
-              <p:ext uri="{386F3935-93C4-4BCD-93E2-E3B085C9AB24}">
-                <p16:designElem xmlns:p16="http://schemas.microsoft.com/office/powerpoint/2015/main" val="1"/>
-              </p:ext>
-            </p:extLst>
-          </p:nvPr>
-        </p:nvSpPr>
-        <p:spPr bwMode="white">
-          <a:xfrm>
-            <a:off x="0" y="0"/>
-            <a:ext cx="12192000" cy="6858000"/>
-          </a:xfrm>
-          <a:prstGeom prst="rect">
-            <a:avLst/>
-          </a:prstGeom>
-          <a:solidFill>
-            <a:schemeClr val="bg1"/>
-          </a:solidFill>
-          <a:ln>
-            <a:noFill/>
-          </a:ln>
-          <a:effectLst/>
-        </p:spPr>
-      </p:sp>
-      <p:pic>
-        <p:nvPicPr>
-          <p:cNvPr id="18" name="Content Placeholder 6">
-            <a:extLst>
-              <a:ext uri="{FF2B5EF4-FFF2-40B4-BE49-F238E27FC236}">
-                <a16:creationId xmlns:a16="http://schemas.microsoft.com/office/drawing/2014/main" id="{7637B576-9C94-41A3-A706-CB0E2C118410}"/>
-              </a:ext>
-            </a:extLst>
-          </p:cNvPr>
-          <p:cNvPicPr>
-            <a:picLocks noGrp="1" noChangeAspect="1"/>
-          </p:cNvPicPr>
-          <p:nvPr>
-            <p:ph idx="1"/>
-          </p:nvPr>
-        </p:nvPicPr>
-        <p:blipFill rotWithShape="1">
-          <a:blip r:embed="rId2"/>
-          <a:srcRect/>
-          <a:stretch/>
-        </p:blipFill>
-        <p:spPr>
-          <a:xfrm>
-            <a:off x="20" y="10"/>
-            <a:ext cx="12191980" cy="6857990"/>
-          </a:xfrm>
-          <a:prstGeom prst="rect">
-            <a:avLst/>
-          </a:prstGeom>
-        </p:spPr>
-      </p:pic>
-      <p:sp>
-        <p:nvSpPr>
-          <p:cNvPr id="23" name="Rectangle 22"/>
-          <p:cNvSpPr>
-            <a:spLocks noGrp="1" noRot="1" noChangeAspect="1" noMove="1" noResize="1" noEditPoints="1" noAdjustHandles="1" noChangeArrowheads="1" noChangeShapeType="1" noTextEdit="1"/>
-          </p:cNvSpPr>
-          <p:nvPr>
-            <p:extLst>
-              <p:ext uri="{386F3935-93C4-4BCD-93E2-E3B085C9AB24}">
-                <p16:designElem xmlns:p16="http://schemas.microsoft.com/office/powerpoint/2015/main" val="1"/>
-              </p:ext>
-            </p:extLst>
-          </p:nvPr>
-        </p:nvSpPr>
-        <p:spPr bwMode="white">
-          <a:xfrm>
-            <a:off x="0" y="3894861"/>
-            <a:ext cx="10883900" cy="1671361"/>
-          </a:xfrm>
-          <a:prstGeom prst="rect">
-            <a:avLst/>
-          </a:prstGeom>
-          <a:solidFill>
-            <a:schemeClr val="bg1">
-              <a:alpha val="80000"/>
-            </a:schemeClr>
-          </a:solidFill>
-          <a:ln>
-            <a:noFill/>
-          </a:ln>
-        </p:spPr>
-        <p:style>
-          <a:lnRef idx="2">
-            <a:schemeClr val="accent1">
-              <a:shade val="50000"/>
-            </a:schemeClr>
-          </a:lnRef>
-          <a:fillRef idx="1">
-            <a:schemeClr val="accent1"/>
-          </a:fillRef>
-          <a:effectRef idx="0">
-            <a:schemeClr val="accent1"/>
-          </a:effectRef>
-          <a:fontRef idx="minor">
-            <a:schemeClr val="lt1"/>
-          </a:fontRef>
-        </p:style>
-        <p:txBody>
-          <a:bodyPr rtlCol="0" anchor="ctr"/>
-          <a:lstStyle/>
-          <a:p>
-            <a:pPr marL="0" marR="0" lvl="0" indent="0" algn="ctr" defTabSz="914400" rtl="0" eaLnBrk="1" fontAlgn="auto" latinLnBrk="0" hangingPunct="1">
-              <a:lnSpc>
-                <a:spcPct val="100000"/>
-              </a:lnSpc>
-              <a:spcBef>
-                <a:spcPts val="0"/>
-              </a:spcBef>
-              <a:spcAft>
-                <a:spcPts val="0"/>
-              </a:spcAft>
-              <a:buClrTx/>
-              <a:buSzTx/>
-              <a:buFontTx/>
-              <a:buNone/>
-              <a:tabLst/>
-              <a:defRPr/>
-            </a:pPr>
-            <a:endParaRPr kumimoji="0" lang="en-US" sz="1800" b="0" i="0" u="none" strike="noStrike" kern="1200" cap="none" spc="0" normalizeH="0" baseline="0" noProof="0">
-              <a:ln>
-                <a:noFill/>
-              </a:ln>
-              <a:solidFill>
-                <a:prstClr val="white"/>
-              </a:solidFill>
-              <a:effectLst/>
-              <a:uLnTx/>
-              <a:uFillTx/>
-              <a:latin typeface="Calibri" panose="020F0502020204030204"/>
-              <a:ea typeface="+mn-ea"/>
-              <a:cs typeface="+mn-cs"/>
-            </a:endParaRPr>
-          </a:p>
-        </p:txBody>
-      </p:sp>
-      <p:sp>
-        <p:nvSpPr>
-          <p:cNvPr id="2" name="Title 1">
-            <a:extLst>
-              <a:ext uri="{FF2B5EF4-FFF2-40B4-BE49-F238E27FC236}">
-                <a16:creationId xmlns:a16="http://schemas.microsoft.com/office/drawing/2014/main" id="{3349BE17-6E08-4759-8D2B-BE7729495A16}"/>
-              </a:ext>
-            </a:extLst>
-          </p:cNvPr>
-          <p:cNvSpPr>
-            <a:spLocks noGrp="1"/>
-          </p:cNvSpPr>
-          <p:nvPr>
-            <p:ph type="title"/>
-          </p:nvPr>
-        </p:nvSpPr>
-        <p:spPr>
-          <a:xfrm>
-            <a:off x="816366" y="4055729"/>
-            <a:ext cx="9902881" cy="1325563"/>
-          </a:xfrm>
-        </p:spPr>
-        <p:txBody>
-          <a:bodyPr vert="horz" lIns="91440" tIns="45720" rIns="91440" bIns="45720" rtlCol="0" anchor="b">
-            <a:normAutofit/>
-          </a:bodyPr>
-          <a:lstStyle/>
-          <a:p>
-            <a:r>
-              <a:rPr lang="en-US" sz="6000" dirty="0"/>
-              <a:t>The Projects Tab</a:t>
-            </a:r>
-          </a:p>
-        </p:txBody>
-      </p:sp>
-    </p:spTree>
-    <p:extLst>
-      <p:ext uri="{BB962C8B-B14F-4D97-AF65-F5344CB8AC3E}">
-        <p14:creationId xmlns:p14="http://schemas.microsoft.com/office/powerpoint/2010/main" val="4018162350"/>
-      </p:ext>
-    </p:extLst>
-  </p:cSld>
-  <p:clrMapOvr>
-    <a:overrideClrMapping bg1="dk1" tx1="lt1" bg2="dk2" tx2="lt2" accent1="accent1" accent2="accent2" accent3="accent3" accent4="accent4" accent5="accent5" accent6="accent6" hlink="hlink" folHlink="folHlink"/>
-  </p:clrMapOvr>
-</p:sld>
-</file>
-
-<file path=ppt/slides/slide13.xml><?xml version="1.0" encoding="utf-8"?>
-<p:sld xmlns:a="http://schemas.openxmlformats.org/drawingml/2006/main" xmlns:r="http://schemas.openxmlformats.org/officeDocument/2006/relationships" xmlns:p="http://schemas.openxmlformats.org/presentationml/2006/main">
-  <p:cSld>
-    <p:spTree>
-      <p:nvGrpSpPr>
-        <p:cNvPr id="1" name=""/>
-        <p:cNvGrpSpPr/>
-        <p:nvPr/>
-      </p:nvGrpSpPr>
-      <p:grpSpPr>
-        <a:xfrm>
-          <a:off x="0" y="0"/>
-          <a:ext cx="0" cy="0"/>
-          <a:chOff x="0" y="0"/>
-          <a:chExt cx="0" cy="0"/>
-        </a:xfrm>
-      </p:grpSpPr>
-      <p:sp>
-        <p:nvSpPr>
-          <p:cNvPr id="10" name="Rectangle 9"/>
-          <p:cNvSpPr>
-            <a:spLocks noGrp="1" noRot="1" noChangeAspect="1" noMove="1" noResize="1" noEditPoints="1" noAdjustHandles="1" noChangeArrowheads="1" noChangeShapeType="1" noTextEdit="1"/>
-          </p:cNvSpPr>
-          <p:nvPr>
-            <p:extLst>
-              <p:ext uri="{386F3935-93C4-4BCD-93E2-E3B085C9AB24}">
-                <p16:designElem xmlns:p16="http://schemas.microsoft.com/office/powerpoint/2015/main" val="1"/>
-              </p:ext>
-            </p:extLst>
-          </p:nvPr>
-        </p:nvSpPr>
-        <p:spPr bwMode="white">
-          <a:xfrm>
-            <a:off x="0" y="0"/>
-            <a:ext cx="12192000" cy="6858000"/>
-          </a:xfrm>
-          <a:prstGeom prst="rect">
-            <a:avLst/>
-          </a:prstGeom>
-          <a:solidFill>
-            <a:schemeClr val="bg1"/>
-          </a:solidFill>
-          <a:ln>
-            <a:noFill/>
-          </a:ln>
-          <a:effectLst/>
-        </p:spPr>
-      </p:sp>
-      <p:pic>
-        <p:nvPicPr>
-          <p:cNvPr id="7" name="Content Placeholder 3">
-            <a:extLst>
-              <a:ext uri="{FF2B5EF4-FFF2-40B4-BE49-F238E27FC236}">
-                <a16:creationId xmlns:a16="http://schemas.microsoft.com/office/drawing/2014/main" id="{6461DB0C-DAA7-4635-8560-FC4C3B026339}"/>
-              </a:ext>
-            </a:extLst>
-          </p:cNvPr>
-          <p:cNvPicPr>
-            <a:picLocks noGrp="1" noChangeAspect="1"/>
-          </p:cNvPicPr>
-          <p:nvPr>
-            <p:ph idx="1"/>
-          </p:nvPr>
-        </p:nvPicPr>
-        <p:blipFill rotWithShape="1">
-          <a:blip r:embed="rId2"/>
-          <a:srcRect/>
-          <a:stretch/>
-        </p:blipFill>
-        <p:spPr>
-          <a:xfrm>
-            <a:off x="20" y="10"/>
-            <a:ext cx="12191980" cy="6857990"/>
-          </a:xfrm>
-          <a:prstGeom prst="rect">
-            <a:avLst/>
-          </a:prstGeom>
-        </p:spPr>
-      </p:pic>
-      <p:sp>
-        <p:nvSpPr>
-          <p:cNvPr id="12" name="Rectangle 11"/>
-          <p:cNvSpPr>
-            <a:spLocks noGrp="1" noRot="1" noChangeAspect="1" noMove="1" noResize="1" noEditPoints="1" noAdjustHandles="1" noChangeArrowheads="1" noChangeShapeType="1" noTextEdit="1"/>
-          </p:cNvSpPr>
-          <p:nvPr>
-            <p:extLst>
-              <p:ext uri="{386F3935-93C4-4BCD-93E2-E3B085C9AB24}">
-                <p16:designElem xmlns:p16="http://schemas.microsoft.com/office/powerpoint/2015/main" val="1"/>
-              </p:ext>
-            </p:extLst>
-          </p:nvPr>
-        </p:nvSpPr>
-        <p:spPr bwMode="white">
-          <a:xfrm>
-            <a:off x="0" y="3894861"/>
-            <a:ext cx="10883900" cy="1671361"/>
-          </a:xfrm>
-          <a:prstGeom prst="rect">
-            <a:avLst/>
-          </a:prstGeom>
-          <a:solidFill>
-            <a:schemeClr val="bg1">
-              <a:alpha val="80000"/>
-            </a:schemeClr>
-          </a:solidFill>
-          <a:ln>
-            <a:noFill/>
-          </a:ln>
-        </p:spPr>
-        <p:style>
-          <a:lnRef idx="2">
-            <a:schemeClr val="accent1">
-              <a:shade val="50000"/>
-            </a:schemeClr>
-          </a:lnRef>
-          <a:fillRef idx="1">
-            <a:schemeClr val="accent1"/>
-          </a:fillRef>
-          <a:effectRef idx="0">
-            <a:schemeClr val="accent1"/>
-          </a:effectRef>
-          <a:fontRef idx="minor">
-            <a:schemeClr val="lt1"/>
-          </a:fontRef>
-        </p:style>
-        <p:txBody>
-          <a:bodyPr rtlCol="0" anchor="ctr"/>
-          <a:lstStyle/>
-          <a:p>
-            <a:pPr marL="0" marR="0" lvl="0" indent="0" algn="ctr" defTabSz="914400" rtl="0" eaLnBrk="1" fontAlgn="auto" latinLnBrk="0" hangingPunct="1">
-              <a:lnSpc>
-                <a:spcPct val="100000"/>
-              </a:lnSpc>
-              <a:spcBef>
-                <a:spcPts val="0"/>
-              </a:spcBef>
-              <a:spcAft>
-                <a:spcPts val="0"/>
-              </a:spcAft>
-              <a:buClrTx/>
-              <a:buSzTx/>
-              <a:buFontTx/>
-              <a:buNone/>
-              <a:tabLst/>
-              <a:defRPr/>
-            </a:pPr>
-            <a:endParaRPr kumimoji="0" lang="en-US" sz="1800" b="0" i="0" u="none" strike="noStrike" kern="1200" cap="none" spc="0" normalizeH="0" baseline="0" noProof="0">
-              <a:ln>
-                <a:noFill/>
-              </a:ln>
-              <a:solidFill>
-                <a:prstClr val="white"/>
-              </a:solidFill>
-              <a:effectLst/>
-              <a:uLnTx/>
-              <a:uFillTx/>
-              <a:latin typeface="Calibri" panose="020F0502020204030204"/>
-              <a:ea typeface="+mn-ea"/>
-              <a:cs typeface="+mn-cs"/>
-            </a:endParaRPr>
-          </a:p>
-        </p:txBody>
-      </p:sp>
-      <p:sp>
-        <p:nvSpPr>
-          <p:cNvPr id="2" name="Title 1">
-            <a:extLst>
-              <a:ext uri="{FF2B5EF4-FFF2-40B4-BE49-F238E27FC236}">
-                <a16:creationId xmlns:a16="http://schemas.microsoft.com/office/drawing/2014/main" id="{E7831512-A5E4-45CA-83D4-3FD3AAEAEBCF}"/>
-              </a:ext>
-            </a:extLst>
-          </p:cNvPr>
-          <p:cNvSpPr>
-            <a:spLocks noGrp="1"/>
-          </p:cNvSpPr>
-          <p:nvPr>
-            <p:ph type="title"/>
-          </p:nvPr>
-        </p:nvSpPr>
-        <p:spPr>
-          <a:xfrm>
-            <a:off x="816366" y="4055729"/>
-            <a:ext cx="9902881" cy="1325563"/>
-          </a:xfrm>
-        </p:spPr>
-        <p:txBody>
-          <a:bodyPr vert="horz" lIns="91440" tIns="45720" rIns="91440" bIns="45720" rtlCol="0" anchor="b">
-            <a:normAutofit/>
-          </a:bodyPr>
-          <a:lstStyle/>
-          <a:p>
-            <a:r>
-              <a:rPr lang="en-US" sz="6000" dirty="0"/>
-              <a:t>Uploaded Files Tab</a:t>
-            </a:r>
-          </a:p>
-        </p:txBody>
-      </p:sp>
-    </p:spTree>
-    <p:extLst>
-      <p:ext uri="{BB962C8B-B14F-4D97-AF65-F5344CB8AC3E}">
-        <p14:creationId xmlns:p14="http://schemas.microsoft.com/office/powerpoint/2010/main" val="3948640829"/>
-      </p:ext>
-    </p:extLst>
-  </p:cSld>
-  <p:clrMapOvr>
-    <a:overrideClrMapping bg1="dk1" tx1="lt1" bg2="dk2" tx2="lt2" accent1="accent1" accent2="accent2" accent3="accent3" accent4="accent4" accent5="accent5" accent6="accent6" hlink="hlink" folHlink="folHlink"/>
   </p:clrMapOvr>
 </p:sld>
 </file>
@@ -5298,7 +5255,7 @@
       </p:grpSpPr>
       <p:sp>
         <p:nvSpPr>
-          <p:cNvPr id="13" name="Rectangle 12"/>
+          <p:cNvPr id="9" name="Rectangle 8"/>
           <p:cNvSpPr>
             <a:spLocks noGrp="1" noRot="1" noChangeAspect="1" noMove="1" noResize="1" noEditPoints="1" noAdjustHandles="1" noChangeArrowheads="1" noChangeShapeType="1" noTextEdit="1"/>
           </p:cNvSpPr>
@@ -5327,221 +5284,9 @@
           <a:effectLst/>
         </p:spPr>
       </p:sp>
-      <p:pic>
-        <p:nvPicPr>
-          <p:cNvPr id="10" name="Content Placeholder 6">
-            <a:extLst>
-              <a:ext uri="{FF2B5EF4-FFF2-40B4-BE49-F238E27FC236}">
-                <a16:creationId xmlns:a16="http://schemas.microsoft.com/office/drawing/2014/main" id="{1BD60F69-3A1D-4ABC-BBCC-03B8CC295FC6}"/>
-              </a:ext>
-            </a:extLst>
-          </p:cNvPr>
-          <p:cNvPicPr>
-            <a:picLocks noGrp="1" noChangeAspect="1"/>
-          </p:cNvPicPr>
-          <p:nvPr>
-            <p:ph idx="1"/>
-          </p:nvPr>
-        </p:nvPicPr>
-        <p:blipFill rotWithShape="1">
-          <a:blip r:embed="rId2"/>
-          <a:srcRect/>
-          <a:stretch/>
-        </p:blipFill>
-        <p:spPr>
-          <a:xfrm>
-            <a:off x="20" y="10"/>
-            <a:ext cx="12191980" cy="6857990"/>
-          </a:xfrm>
-          <a:prstGeom prst="rect">
-            <a:avLst/>
-          </a:prstGeom>
-        </p:spPr>
-      </p:pic>
-      <p:sp>
-        <p:nvSpPr>
-          <p:cNvPr id="15" name="Rectangle 14"/>
-          <p:cNvSpPr>
-            <a:spLocks noGrp="1" noRot="1" noChangeAspect="1" noMove="1" noResize="1" noEditPoints="1" noAdjustHandles="1" noChangeArrowheads="1" noChangeShapeType="1" noTextEdit="1"/>
-          </p:cNvSpPr>
-          <p:nvPr>
-            <p:extLst>
-              <p:ext uri="{386F3935-93C4-4BCD-93E2-E3B085C9AB24}">
-                <p16:designElem xmlns:p16="http://schemas.microsoft.com/office/powerpoint/2015/main" val="1"/>
-              </p:ext>
-            </p:extLst>
-          </p:nvPr>
-        </p:nvSpPr>
-        <p:spPr bwMode="white">
-          <a:xfrm>
-            <a:off x="0" y="3894861"/>
-            <a:ext cx="10883900" cy="1671361"/>
-          </a:xfrm>
-          <a:prstGeom prst="rect">
-            <a:avLst/>
-          </a:prstGeom>
-          <a:solidFill>
-            <a:schemeClr val="bg1">
-              <a:alpha val="80000"/>
-            </a:schemeClr>
-          </a:solidFill>
-          <a:ln>
-            <a:noFill/>
-          </a:ln>
-        </p:spPr>
-        <p:style>
-          <a:lnRef idx="2">
-            <a:schemeClr val="accent1">
-              <a:shade val="50000"/>
-            </a:schemeClr>
-          </a:lnRef>
-          <a:fillRef idx="1">
-            <a:schemeClr val="accent1"/>
-          </a:fillRef>
-          <a:effectRef idx="0">
-            <a:schemeClr val="accent1"/>
-          </a:effectRef>
-          <a:fontRef idx="minor">
-            <a:schemeClr val="lt1"/>
-          </a:fontRef>
-        </p:style>
-        <p:txBody>
-          <a:bodyPr rtlCol="0" anchor="ctr"/>
-          <a:lstStyle/>
-          <a:p>
-            <a:pPr marL="0" marR="0" lvl="0" indent="0" algn="ctr" defTabSz="914400" rtl="0" eaLnBrk="1" fontAlgn="auto" latinLnBrk="0" hangingPunct="1">
-              <a:lnSpc>
-                <a:spcPct val="100000"/>
-              </a:lnSpc>
-              <a:spcBef>
-                <a:spcPts val="0"/>
-              </a:spcBef>
-              <a:spcAft>
-                <a:spcPts val="0"/>
-              </a:spcAft>
-              <a:buClrTx/>
-              <a:buSzTx/>
-              <a:buFontTx/>
-              <a:buNone/>
-              <a:tabLst/>
-              <a:defRPr/>
-            </a:pPr>
-            <a:endParaRPr kumimoji="0" lang="en-US" sz="1800" b="0" i="0" u="none" strike="noStrike" kern="1200" cap="none" spc="0" normalizeH="0" baseline="0" noProof="0">
-              <a:ln>
-                <a:noFill/>
-              </a:ln>
-              <a:solidFill>
-                <a:prstClr val="white"/>
-              </a:solidFill>
-              <a:effectLst/>
-              <a:uLnTx/>
-              <a:uFillTx/>
-              <a:latin typeface="Calibri" panose="020F0502020204030204"/>
-              <a:ea typeface="+mn-ea"/>
-              <a:cs typeface="+mn-cs"/>
-            </a:endParaRPr>
-          </a:p>
-        </p:txBody>
-      </p:sp>
-      <p:sp>
-        <p:nvSpPr>
-          <p:cNvPr id="2" name="Title 1">
-            <a:extLst>
-              <a:ext uri="{FF2B5EF4-FFF2-40B4-BE49-F238E27FC236}">
-                <a16:creationId xmlns:a16="http://schemas.microsoft.com/office/drawing/2014/main" id="{1ACF5D51-C775-4BDB-8556-84B42DFDFDD2}"/>
-              </a:ext>
-            </a:extLst>
-          </p:cNvPr>
-          <p:cNvSpPr>
-            <a:spLocks noGrp="1"/>
-          </p:cNvSpPr>
-          <p:nvPr>
-            <p:ph type="title"/>
-          </p:nvPr>
-        </p:nvSpPr>
-        <p:spPr>
-          <a:xfrm>
-            <a:off x="816366" y="4055729"/>
-            <a:ext cx="9902881" cy="1325563"/>
-          </a:xfrm>
-        </p:spPr>
-        <p:txBody>
-          <a:bodyPr vert="horz" lIns="91440" tIns="45720" rIns="91440" bIns="45720" rtlCol="0" anchor="b">
-            <a:normAutofit/>
-          </a:bodyPr>
-          <a:lstStyle/>
-          <a:p>
-            <a:r>
-              <a:rPr lang="en-US" sz="6000" dirty="0"/>
-              <a:t>Recording Options Tab</a:t>
-            </a:r>
-          </a:p>
-        </p:txBody>
-      </p:sp>
-    </p:spTree>
-    <p:extLst>
-      <p:ext uri="{BB962C8B-B14F-4D97-AF65-F5344CB8AC3E}">
-        <p14:creationId xmlns:p14="http://schemas.microsoft.com/office/powerpoint/2010/main" val="1313393762"/>
-      </p:ext>
-    </p:extLst>
-  </p:cSld>
-  <p:clrMapOvr>
-    <a:masterClrMapping/>
-  </p:clrMapOvr>
-</p:sld>
-</file>
-
-<file path=ppt/slides/slide15.xml><?xml version="1.0" encoding="utf-8"?>
-<p:sld xmlns:a="http://schemas.openxmlformats.org/drawingml/2006/main" xmlns:r="http://schemas.openxmlformats.org/officeDocument/2006/relationships" xmlns:p="http://schemas.openxmlformats.org/presentationml/2006/main">
-  <p:cSld>
-    <p:spTree>
-      <p:nvGrpSpPr>
-        <p:cNvPr id="1" name=""/>
-        <p:cNvGrpSpPr/>
-        <p:nvPr/>
-      </p:nvGrpSpPr>
-      <p:grpSpPr>
-        <a:xfrm>
-          <a:off x="0" y="0"/>
-          <a:ext cx="0" cy="0"/>
-          <a:chOff x="0" y="0"/>
-          <a:chExt cx="0" cy="0"/>
-        </a:xfrm>
-      </p:grpSpPr>
-      <p:sp>
-        <p:nvSpPr>
-          <p:cNvPr id="28" name="Rectangle 27"/>
-          <p:cNvSpPr>
-            <a:spLocks noGrp="1" noRot="1" noChangeAspect="1" noMove="1" noResize="1" noEditPoints="1" noAdjustHandles="1" noChangeArrowheads="1" noChangeShapeType="1" noTextEdit="1"/>
-          </p:cNvSpPr>
-          <p:nvPr>
-            <p:extLst>
-              <p:ext uri="{386F3935-93C4-4BCD-93E2-E3B085C9AB24}">
-                <p16:designElem xmlns:p16="http://schemas.microsoft.com/office/powerpoint/2015/main" val="1"/>
-              </p:ext>
-            </p:extLst>
-          </p:nvPr>
-        </p:nvSpPr>
-        <p:spPr bwMode="white">
-          <a:xfrm>
-            <a:off x="0" y="0"/>
-            <a:ext cx="12192000" cy="6858000"/>
-          </a:xfrm>
-          <a:prstGeom prst="rect">
-            <a:avLst/>
-          </a:prstGeom>
-          <a:solidFill>
-            <a:schemeClr val="bg1"/>
-          </a:solidFill>
-          <a:ln>
-            <a:noFill/>
-          </a:ln>
-          <a:effectLst/>
-        </p:spPr>
-      </p:sp>
-      <p:sp>
-        <p:nvSpPr>
-          <p:cNvPr id="30" name="Rectangle 29"/>
+      <p:sp>
+        <p:nvSpPr>
+          <p:cNvPr id="11" name="Rectangle 10"/>
           <p:cNvSpPr>
             <a:spLocks noGrp="1" noRot="1" noChangeAspect="1" noMove="1" noResize="1" noEditPoints="1" noAdjustHandles="1" noChangeArrowheads="1" noChangeShapeType="1" noTextEdit="1"/>
           </p:cNvSpPr>
@@ -5598,10 +5343,10 @@
       </p:sp>
       <p:pic>
         <p:nvPicPr>
-          <p:cNvPr id="24" name="Content Placeholder 3">
-            <a:extLst>
-              <a:ext uri="{FF2B5EF4-FFF2-40B4-BE49-F238E27FC236}">
-                <a16:creationId xmlns:a16="http://schemas.microsoft.com/office/drawing/2014/main" id="{A057630C-10AD-4ECA-B058-88E463C89B4A}"/>
+          <p:cNvPr id="4" name="Content Placeholder 3">
+            <a:extLst>
+              <a:ext uri="{FF2B5EF4-FFF2-40B4-BE49-F238E27FC236}">
+                <a16:creationId xmlns:a16="http://schemas.microsoft.com/office/drawing/2014/main" id="{A6917F0E-A311-484A-841C-B8122FECA74F}"/>
               </a:ext>
             </a:extLst>
           </p:cNvPr>
@@ -5633,7 +5378,7 @@
           <p:cNvPr id="2" name="Title 1">
             <a:extLst>
               <a:ext uri="{FF2B5EF4-FFF2-40B4-BE49-F238E27FC236}">
-                <a16:creationId xmlns:a16="http://schemas.microsoft.com/office/drawing/2014/main" id="{A3B32DB5-EE32-485D-8166-A113A8AF1122}"/>
+                <a16:creationId xmlns:a16="http://schemas.microsoft.com/office/drawing/2014/main" id="{ED98CBCD-C4FD-4F71-9639-F2EAFD029AD9}"/>
               </a:ext>
             </a:extLst>
           </p:cNvPr>
@@ -5683,237 +5428,6 @@
                 <a:ea typeface="+mj-ea"/>
                 <a:cs typeface="+mj-cs"/>
               </a:rPr>
-              <a:t>Query Builder</a:t>
-            </a:r>
-            <a:br>
-              <a:rPr lang="en-US" sz="2600" kern="1200" dirty="0">
-                <a:solidFill>
-                  <a:schemeClr val="bg1"/>
-                </a:solidFill>
-                <a:latin typeface="+mj-lt"/>
-                <a:ea typeface="+mj-ea"/>
-                <a:cs typeface="+mj-cs"/>
-              </a:rPr>
-            </a:br>
-            <a:r>
-              <a:rPr lang="en-US" sz="2600" kern="1200" dirty="0">
-                <a:solidFill>
-                  <a:schemeClr val="bg1"/>
-                </a:solidFill>
-                <a:latin typeface="+mj-lt"/>
-                <a:ea typeface="+mj-ea"/>
-                <a:cs typeface="+mj-cs"/>
-              </a:rPr>
-              <a:t>(With Sample Input)</a:t>
-            </a:r>
-          </a:p>
-        </p:txBody>
-      </p:sp>
-    </p:spTree>
-    <p:extLst>
-      <p:ext uri="{BB962C8B-B14F-4D97-AF65-F5344CB8AC3E}">
-        <p14:creationId xmlns:p14="http://schemas.microsoft.com/office/powerpoint/2010/main" val="2681977891"/>
-      </p:ext>
-    </p:extLst>
-  </p:cSld>
-  <p:clrMapOvr>
-    <a:masterClrMapping/>
-  </p:clrMapOvr>
-</p:sld>
-</file>
-
-<file path=ppt/slides/slide16.xml><?xml version="1.0" encoding="utf-8"?>
-<p:sld xmlns:a="http://schemas.openxmlformats.org/drawingml/2006/main" xmlns:r="http://schemas.openxmlformats.org/officeDocument/2006/relationships" xmlns:p="http://schemas.openxmlformats.org/presentationml/2006/main">
-  <p:cSld>
-    <p:spTree>
-      <p:nvGrpSpPr>
-        <p:cNvPr id="1" name=""/>
-        <p:cNvGrpSpPr/>
-        <p:nvPr/>
-      </p:nvGrpSpPr>
-      <p:grpSpPr>
-        <a:xfrm>
-          <a:off x="0" y="0"/>
-          <a:ext cx="0" cy="0"/>
-          <a:chOff x="0" y="0"/>
-          <a:chExt cx="0" cy="0"/>
-        </a:xfrm>
-      </p:grpSpPr>
-      <p:sp>
-        <p:nvSpPr>
-          <p:cNvPr id="9" name="Rectangle 8"/>
-          <p:cNvSpPr>
-            <a:spLocks noGrp="1" noRot="1" noChangeAspect="1" noMove="1" noResize="1" noEditPoints="1" noAdjustHandles="1" noChangeArrowheads="1" noChangeShapeType="1" noTextEdit="1"/>
-          </p:cNvSpPr>
-          <p:nvPr>
-            <p:extLst>
-              <p:ext uri="{386F3935-93C4-4BCD-93E2-E3B085C9AB24}">
-                <p16:designElem xmlns:p16="http://schemas.microsoft.com/office/powerpoint/2015/main" val="1"/>
-              </p:ext>
-            </p:extLst>
-          </p:nvPr>
-        </p:nvSpPr>
-        <p:spPr bwMode="white">
-          <a:xfrm>
-            <a:off x="0" y="0"/>
-            <a:ext cx="12192000" cy="6858000"/>
-          </a:xfrm>
-          <a:prstGeom prst="rect">
-            <a:avLst/>
-          </a:prstGeom>
-          <a:solidFill>
-            <a:schemeClr val="bg1"/>
-          </a:solidFill>
-          <a:ln>
-            <a:noFill/>
-          </a:ln>
-          <a:effectLst/>
-        </p:spPr>
-      </p:sp>
-      <p:sp>
-        <p:nvSpPr>
-          <p:cNvPr id="11" name="Rectangle 10"/>
-          <p:cNvSpPr>
-            <a:spLocks noGrp="1" noRot="1" noChangeAspect="1" noMove="1" noResize="1" noEditPoints="1" noAdjustHandles="1" noChangeArrowheads="1" noChangeShapeType="1" noTextEdit="1"/>
-          </p:cNvSpPr>
-          <p:nvPr>
-            <p:extLst>
-              <p:ext uri="{386F3935-93C4-4BCD-93E2-E3B085C9AB24}">
-                <p16:designElem xmlns:p16="http://schemas.microsoft.com/office/powerpoint/2015/main" val="1"/>
-              </p:ext>
-            </p:extLst>
-          </p:nvPr>
-        </p:nvSpPr>
-        <p:spPr>
-          <a:xfrm>
-            <a:off x="0" y="0"/>
-            <a:ext cx="2013557" cy="6858000"/>
-          </a:xfrm>
-          <a:prstGeom prst="rect">
-            <a:avLst/>
-          </a:prstGeom>
-          <a:solidFill>
-            <a:schemeClr val="tx1">
-              <a:lumMod val="50000"/>
-              <a:lumOff val="50000"/>
-            </a:schemeClr>
-          </a:solidFill>
-          <a:ln>
-            <a:noFill/>
-          </a:ln>
-        </p:spPr>
-        <p:style>
-          <a:lnRef idx="2">
-            <a:schemeClr val="accent1">
-              <a:shade val="50000"/>
-            </a:schemeClr>
-          </a:lnRef>
-          <a:fillRef idx="1">
-            <a:schemeClr val="accent1"/>
-          </a:fillRef>
-          <a:effectRef idx="0">
-            <a:schemeClr val="accent1"/>
-          </a:effectRef>
-          <a:fontRef idx="minor">
-            <a:schemeClr val="lt1"/>
-          </a:fontRef>
-        </p:style>
-        <p:txBody>
-          <a:bodyPr rtlCol="0" anchor="ctr"/>
-          <a:lstStyle/>
-          <a:p>
-            <a:pPr algn="ctr"/>
-            <a:endParaRPr lang="en-US"/>
-          </a:p>
-        </p:txBody>
-      </p:sp>
-      <p:pic>
-        <p:nvPicPr>
-          <p:cNvPr id="4" name="Content Placeholder 3">
-            <a:extLst>
-              <a:ext uri="{FF2B5EF4-FFF2-40B4-BE49-F238E27FC236}">
-                <a16:creationId xmlns:a16="http://schemas.microsoft.com/office/drawing/2014/main" id="{A6917F0E-A311-484A-841C-B8122FECA74F}"/>
-              </a:ext>
-            </a:extLst>
-          </p:cNvPr>
-          <p:cNvPicPr>
-            <a:picLocks noGrp="1" noChangeAspect="1"/>
-          </p:cNvPicPr>
-          <p:nvPr>
-            <p:ph idx="1"/>
-          </p:nvPr>
-        </p:nvPicPr>
-        <p:blipFill>
-          <a:blip r:embed="rId2"/>
-          <a:stretch>
-            <a:fillRect/>
-          </a:stretch>
-        </p:blipFill>
-        <p:spPr>
-          <a:xfrm>
-            <a:off x="4038600" y="1405625"/>
-            <a:ext cx="7188199" cy="4043361"/>
-          </a:xfrm>
-          <a:prstGeom prst="rect">
-            <a:avLst/>
-          </a:prstGeom>
-        </p:spPr>
-      </p:pic>
-      <p:sp>
-        <p:nvSpPr>
-          <p:cNvPr id="2" name="Title 1">
-            <a:extLst>
-              <a:ext uri="{FF2B5EF4-FFF2-40B4-BE49-F238E27FC236}">
-                <a16:creationId xmlns:a16="http://schemas.microsoft.com/office/drawing/2014/main" id="{ED98CBCD-C4FD-4F71-9639-F2EAFD029AD9}"/>
-              </a:ext>
-            </a:extLst>
-          </p:cNvPr>
-          <p:cNvSpPr>
-            <a:spLocks noGrp="1"/>
-          </p:cNvSpPr>
-          <p:nvPr>
-            <p:ph type="title"/>
-          </p:nvPr>
-        </p:nvSpPr>
-        <p:spPr>
-          <a:xfrm>
-            <a:off x="640080" y="2074363"/>
-            <a:ext cx="2752354" cy="2709275"/>
-          </a:xfrm>
-          <a:prstGeom prst="ellipse">
-            <a:avLst/>
-          </a:prstGeom>
-          <a:solidFill>
-            <a:schemeClr val="tx1">
-              <a:lumMod val="85000"/>
-              <a:lumOff val="15000"/>
-            </a:schemeClr>
-          </a:solidFill>
-          <a:ln w="174625" cmpd="thinThick">
-            <a:solidFill>
-              <a:schemeClr val="tx1">
-                <a:lumMod val="85000"/>
-                <a:lumOff val="15000"/>
-              </a:schemeClr>
-            </a:solidFill>
-          </a:ln>
-        </p:spPr>
-        <p:txBody>
-          <a:bodyPr vert="horz" lIns="91440" tIns="45720" rIns="91440" bIns="45720" rtlCol="0" anchor="ctr">
-            <a:normAutofit/>
-          </a:bodyPr>
-          <a:lstStyle/>
-          <a:p>
-            <a:pPr algn="ctr"/>
-            <a:r>
-              <a:rPr lang="en-US" sz="2600" kern="1200" dirty="0">
-                <a:solidFill>
-                  <a:schemeClr val="bg1"/>
-                </a:solidFill>
-                <a:latin typeface="+mj-lt"/>
-                <a:ea typeface="+mj-ea"/>
-                <a:cs typeface="+mj-cs"/>
-              </a:rPr>
               <a:t>Sample Input’s Output</a:t>
             </a:r>
           </a:p>
@@ -5932,7 +5446,7 @@
 </p:sld>
 </file>
 
-<file path=ppt/slides/slide17.xml><?xml version="1.0" encoding="utf-8"?>
+<file path=ppt/slides/slide15.xml><?xml version="1.0" encoding="utf-8"?>
 <p:sld xmlns:a="http://schemas.openxmlformats.org/drawingml/2006/main" xmlns:r="http://schemas.openxmlformats.org/officeDocument/2006/relationships" xmlns:p="http://schemas.openxmlformats.org/presentationml/2006/main">
   <p:cSld>
     <p:spTree>
@@ -6409,7 +5923,7 @@
 </p:sld>
 </file>
 
-<file path=ppt/slides/slide18.xml><?xml version="1.0" encoding="utf-8"?>
+<file path=ppt/slides/slide16.xml><?xml version="1.0" encoding="utf-8"?>
 <p:sld xmlns:a="http://schemas.openxmlformats.org/drawingml/2006/main" xmlns:r="http://schemas.openxmlformats.org/officeDocument/2006/relationships" xmlns:p="http://schemas.openxmlformats.org/presentationml/2006/main">
   <p:cSld>
     <p:spTree>
